--- a/mustafaEmre.pptx
+++ b/mustafaEmre.pptx
@@ -10269,8 +10269,8 @@
         </p:blipFill>
         <p:spPr>
           <a:xfrm>
-            <a:off x="359961" y="1012723"/>
-            <a:ext cx="4903842" cy="4699819"/>
+            <a:off x="530943" y="924232"/>
+            <a:ext cx="5515896" cy="5466736"/>
           </a:xfrm>
           <a:prstGeom prst="rect">
             <a:avLst/>
@@ -10293,7 +10293,7 @@
         </p:nvSpPr>
         <p:spPr bwMode="auto">
           <a:xfrm>
-            <a:off x="4768645" y="1405878"/>
+            <a:off x="6145160" y="1425543"/>
             <a:ext cx="5515897" cy="3077766"/>
           </a:xfrm>
           <a:prstGeom prst="rect">

--- a/mustafaEmre.pptx
+++ b/mustafaEmre.pptx
@@ -10269,8 +10269,8 @@
         </p:blipFill>
         <p:spPr>
           <a:xfrm>
-            <a:off x="530943" y="924232"/>
-            <a:ext cx="5515896" cy="5466736"/>
+            <a:off x="530943" y="973395"/>
+            <a:ext cx="5515896" cy="5230760"/>
           </a:xfrm>
           <a:prstGeom prst="rect">
             <a:avLst/>
